--- a/team7_MRI.pptx
+++ b/team7_MRI.pptx
@@ -10854,6 +10854,17 @@
               <a:buNone/>
             </a:pPr>
             <a:r>
+              <a:rPr lang="en" dirty="0">
+                <a:solidFill>
+                  <a:srgbClr val="000000"/>
+                </a:solidFill>
+                <a:highlight>
+                  <a:schemeClr val="lt1"/>
+                </a:highlight>
+              </a:rPr>
+              <a:t>Out of the age range of 60 to 98, there seems to be a higher concentration </a:t>
+            </a:r>
+            <a:r>
               <a:rPr lang="en">
                 <a:solidFill>
                   <a:srgbClr val="000000"/>
@@ -10862,9 +10873,20 @@
                   <a:schemeClr val="lt1"/>
                 </a:highlight>
               </a:rPr>
-              <a:t>Out of the age range of 60 to 98, there seems to be a higher concentration of 71-76 years old in the clinically demented group than those in the nondemented patients. </a:t>
-            </a:r>
-            <a:endParaRPr>
+              <a:t>of 66-76 </a:t>
+            </a:r>
+            <a:r>
+              <a:rPr lang="en" dirty="0">
+                <a:solidFill>
+                  <a:srgbClr val="000000"/>
+                </a:solidFill>
+                <a:highlight>
+                  <a:schemeClr val="lt1"/>
+                </a:highlight>
+              </a:rPr>
+              <a:t>years old in the clinically demented group than those in the nondemented patients. </a:t>
+            </a:r>
+            <a:endParaRPr dirty="0">
               <a:solidFill>
                 <a:srgbClr val="000000"/>
               </a:solidFill>

--- a/team7_MRI.pptx
+++ b/team7_MRI.pptx
@@ -14134,10 +14134,10 @@
               <a:buChar char="●"/>
             </a:pPr>
             <a:r>
-              <a:rPr lang="en"/>
+              <a:rPr lang="en" dirty="0"/>
               <a:t>For this sample population, we succeeded in finding:</a:t>
             </a:r>
-            <a:endParaRPr/>
+            <a:endParaRPr dirty="0"/>
           </a:p>
           <a:p>
             <a:pPr marL="914400" lvl="1" indent="-317500" algn="l" rtl="0">
@@ -14151,10 +14151,18 @@
               <a:buChar char="○"/>
             </a:pPr>
             <a:r>
+              <a:rPr lang="en" dirty="0"/>
+              <a:t>The age </a:t>
+            </a:r>
+            <a:r>
               <a:rPr lang="en"/>
-              <a:t>The age group (71-76) with a higher prevalence of dementia.</a:t>
-            </a:r>
-            <a:endParaRPr/>
+              <a:t>group (66-76</a:t>
+            </a:r>
+            <a:r>
+              <a:rPr lang="en" dirty="0"/>
+              <a:t>) with a higher prevalence of dementia.</a:t>
+            </a:r>
+            <a:endParaRPr dirty="0"/>
           </a:p>
           <a:p>
             <a:pPr marL="914400" lvl="1" indent="-317500" algn="l" rtl="0">
@@ -14168,10 +14176,10 @@
               <a:buChar char="○"/>
             </a:pPr>
             <a:r>
-              <a:rPr lang="en"/>
+              <a:rPr lang="en" dirty="0"/>
               <a:t>A negative linear trend between CDR score and MMSE score.</a:t>
             </a:r>
-            <a:endParaRPr/>
+            <a:endParaRPr dirty="0"/>
           </a:p>
           <a:p>
             <a:pPr marL="914400" lvl="1" indent="-317500" algn="l" rtl="0">
@@ -14185,10 +14193,10 @@
               <a:buChar char="○"/>
             </a:pPr>
             <a:r>
-              <a:rPr lang="en"/>
+              <a:rPr lang="en" dirty="0"/>
               <a:t>A significant difference in normalized whole brain volume between groups.</a:t>
             </a:r>
-            <a:endParaRPr/>
+            <a:endParaRPr dirty="0"/>
           </a:p>
           <a:p>
             <a:pPr marL="914400" lvl="0" indent="0" algn="l" rtl="0">
@@ -14200,7 +14208,7 @@
               </a:spcAft>
               <a:buNone/>
             </a:pPr>
-            <a:endParaRPr/>
+            <a:endParaRPr dirty="0"/>
           </a:p>
           <a:p>
             <a:pPr marL="457200" lvl="0" indent="-342900" algn="l" rtl="0">
@@ -14214,10 +14222,10 @@
               <a:buChar char="●"/>
             </a:pPr>
             <a:r>
-              <a:rPr lang="en"/>
+              <a:rPr lang="en" dirty="0"/>
               <a:t>We were not able to find:</a:t>
             </a:r>
-            <a:endParaRPr/>
+            <a:endParaRPr dirty="0"/>
           </a:p>
           <a:p>
             <a:pPr marL="914400" lvl="1" indent="-317500" algn="l" rtl="0">
@@ -14231,10 +14239,10 @@
               <a:buChar char="○"/>
             </a:pPr>
             <a:r>
-              <a:rPr lang="en"/>
+              <a:rPr lang="en" dirty="0"/>
               <a:t>If one gender had higher prevalence of dementia.</a:t>
             </a:r>
-            <a:endParaRPr/>
+            <a:endParaRPr dirty="0"/>
           </a:p>
           <a:p>
             <a:pPr marL="914400" lvl="1" indent="-317500" algn="l" rtl="0">
@@ -14248,10 +14256,10 @@
               <a:buChar char="○"/>
             </a:pPr>
             <a:r>
-              <a:rPr lang="en"/>
+              <a:rPr lang="en" dirty="0"/>
               <a:t>A relationship between socioeconomic status and prevalence of dementia.</a:t>
             </a:r>
-            <a:endParaRPr/>
+            <a:endParaRPr dirty="0"/>
           </a:p>
           <a:p>
             <a:pPr marL="914400" lvl="1" indent="-317500" algn="l" rtl="0">
@@ -14265,10 +14273,10 @@
               <a:buChar char="○"/>
             </a:pPr>
             <a:r>
-              <a:rPr lang="en"/>
+              <a:rPr lang="en" dirty="0"/>
               <a:t>A significant difference in estimated intracranial volume between groups.</a:t>
             </a:r>
-            <a:endParaRPr/>
+            <a:endParaRPr dirty="0"/>
           </a:p>
         </p:txBody>
       </p:sp>

--- a/team7_MRI.pptx
+++ b/team7_MRI.pptx
@@ -10949,6 +10949,59 @@
       </p:grpSpPr>
       <p:sp>
         <p:nvSpPr>
+          <p:cNvPr id="155" name="Google Shape;155;p27"/>
+          <p:cNvSpPr txBox="1">
+            <a:spLocks noGrp="1"/>
+          </p:cNvSpPr>
+          <p:nvPr>
+            <p:ph type="body" idx="2"/>
+          </p:nvPr>
+        </p:nvSpPr>
+        <p:spPr>
+          <a:xfrm>
+            <a:off x="311700" y="1160644"/>
+            <a:ext cx="3999900" cy="3416400"/>
+          </a:xfrm>
+          <a:prstGeom prst="rect">
+            <a:avLst/>
+          </a:prstGeom>
+        </p:spPr>
+        <p:txBody>
+          <a:bodyPr spcFirstLastPara="1" wrap="square" lIns="91425" tIns="91425" rIns="91425" bIns="91425" anchor="t" anchorCtr="0">
+            <a:noAutofit/>
+          </a:bodyPr>
+          <a:lstStyle/>
+          <a:p>
+            <a:pPr marL="0" lvl="0" indent="0" algn="l" rtl="0">
+              <a:lnSpc>
+                <a:spcPct val="115000"/>
+              </a:lnSpc>
+              <a:spcBef>
+                <a:spcPts val="0"/>
+              </a:spcBef>
+              <a:spcAft>
+                <a:spcPts val="1600"/>
+              </a:spcAft>
+              <a:buNone/>
+            </a:pPr>
+            <a:r>
+              <a:rPr lang="en" sz="1200">
+                <a:solidFill>
+                  <a:srgbClr val="000000"/>
+                </a:solidFill>
+              </a:rPr>
+              <a:t>Clinically demented patients  had  less median years of  education compared to the nondemented. Which is 14 for demented and 16 nondemented patients.</a:t>
+            </a:r>
+            <a:endParaRPr sz="1200">
+              <a:solidFill>
+                <a:srgbClr val="000000"/>
+              </a:solidFill>
+            </a:endParaRPr>
+          </a:p>
+        </p:txBody>
+      </p:sp>
+      <p:sp>
+        <p:nvSpPr>
           <p:cNvPr id="152" name="Google Shape;152;p27"/>
           <p:cNvSpPr txBox="1">
             <a:spLocks noGrp="1"/>
@@ -10987,10 +11040,10 @@
               <a:buNone/>
             </a:pPr>
             <a:r>
-              <a:rPr lang="en" sz="2400"/>
+              <a:rPr lang="en" sz="2400" dirty="0"/>
               <a:t>Patients by SES</a:t>
             </a:r>
-            <a:endParaRPr sz="2400"/>
+            <a:endParaRPr sz="2400" dirty="0"/>
           </a:p>
         </p:txBody>
       </p:sp>
@@ -11006,7 +11059,7 @@
         </p:nvSpPr>
         <p:spPr>
           <a:xfrm>
-            <a:off x="311700" y="1152475"/>
+            <a:off x="4572000" y="1160644"/>
             <a:ext cx="3999900" cy="3416400"/>
           </a:xfrm>
           <a:prstGeom prst="rect">
@@ -11029,14 +11082,14 @@
               <a:buNone/>
             </a:pPr>
             <a:r>
-              <a:rPr lang="en" sz="1200">
+              <a:rPr lang="en" sz="1200" dirty="0">
                 <a:solidFill>
                   <a:srgbClr val="000000"/>
                 </a:solidFill>
               </a:rPr>
               <a:t>We can see that there is no obvious relation between clinically demented patients and their socioeconomic status. However very less patients are in higher SES range.</a:t>
             </a:r>
-            <a:endParaRPr sz="1200">
+            <a:endParaRPr sz="1200" dirty="0">
               <a:solidFill>
                 <a:srgbClr val="000000"/>
               </a:solidFill>
@@ -11072,59 +11125,6 @@
           </a:ln>
         </p:spPr>
       </p:pic>
-      <p:sp>
-        <p:nvSpPr>
-          <p:cNvPr id="155" name="Google Shape;155;p27"/>
-          <p:cNvSpPr txBox="1">
-            <a:spLocks noGrp="1"/>
-          </p:cNvSpPr>
-          <p:nvPr>
-            <p:ph type="body" idx="2"/>
-          </p:nvPr>
-        </p:nvSpPr>
-        <p:spPr>
-          <a:xfrm>
-            <a:off x="4832400" y="1152475"/>
-            <a:ext cx="3999900" cy="3416400"/>
-          </a:xfrm>
-          <a:prstGeom prst="rect">
-            <a:avLst/>
-          </a:prstGeom>
-        </p:spPr>
-        <p:txBody>
-          <a:bodyPr spcFirstLastPara="1" wrap="square" lIns="91425" tIns="91425" rIns="91425" bIns="91425" anchor="t" anchorCtr="0">
-            <a:noAutofit/>
-          </a:bodyPr>
-          <a:lstStyle/>
-          <a:p>
-            <a:pPr marL="0" lvl="0" indent="0" algn="l" rtl="0">
-              <a:lnSpc>
-                <a:spcPct val="115000"/>
-              </a:lnSpc>
-              <a:spcBef>
-                <a:spcPts val="0"/>
-              </a:spcBef>
-              <a:spcAft>
-                <a:spcPts val="1600"/>
-              </a:spcAft>
-              <a:buNone/>
-            </a:pPr>
-            <a:r>
-              <a:rPr lang="en" sz="1200">
-                <a:solidFill>
-                  <a:srgbClr val="000000"/>
-                </a:solidFill>
-              </a:rPr>
-              <a:t>Clinically demented patients  had  less median years of  education compared to the nondemented. Which is 14 for demented and 16 nondemented patients.</a:t>
-            </a:r>
-            <a:endParaRPr sz="1200">
-              <a:solidFill>
-                <a:srgbClr val="000000"/>
-              </a:solidFill>
-            </a:endParaRPr>
-          </a:p>
-        </p:txBody>
-      </p:sp>
       <p:sp>
         <p:nvSpPr>
           <p:cNvPr id="156" name="Google Shape;156;p27"/>
